--- a/Semana 6/clase6.pptx
+++ b/Semana 6/clase6.pptx
@@ -242,7 +242,7 @@
           <a:p>
             <a:fld id="{56EFBD41-8F30-499F-8836-9A8B592EDCF2}" type="datetimeFigureOut">
               <a:rPr lang="es-CR" smtClean="0"/>
-              <a:t>21/2/2017</a:t>
+              <a:t>20/2/2019</a:t>
             </a:fld>
             <a:endParaRPr lang="es-CR"/>
           </a:p>
@@ -407,7 +407,7 @@
           <a:p>
             <a:fld id="{701C4BE3-AD0D-43FB-97B9-68E31F3243AC}" type="datetimeFigureOut">
               <a:rPr lang="es-CR" smtClean="0"/>
-              <a:t>21/2/2017</a:t>
+              <a:t>20/2/2019</a:t>
             </a:fld>
             <a:endParaRPr lang="es-CR"/>
           </a:p>
@@ -817,7 +817,7 @@
           <a:p>
             <a:fld id="{EABE8AA6-12A8-4B45-AB18-A83908A3A2E6}" type="datetimeFigureOut">
               <a:rPr lang="es-ES" smtClean="0"/>
-              <a:t>21/02/2017</a:t>
+              <a:t>20/02/2019</a:t>
             </a:fld>
             <a:endParaRPr lang="es-ES"/>
           </a:p>
@@ -987,7 +987,7 @@
           <a:p>
             <a:fld id="{EABE8AA6-12A8-4B45-AB18-A83908A3A2E6}" type="datetimeFigureOut">
               <a:rPr lang="es-ES" smtClean="0"/>
-              <a:t>21/02/2017</a:t>
+              <a:t>20/02/2019</a:t>
             </a:fld>
             <a:endParaRPr lang="es-ES"/>
           </a:p>
@@ -1167,7 +1167,7 @@
           <a:p>
             <a:fld id="{EABE8AA6-12A8-4B45-AB18-A83908A3A2E6}" type="datetimeFigureOut">
               <a:rPr lang="es-ES" smtClean="0"/>
-              <a:t>21/02/2017</a:t>
+              <a:t>20/02/2019</a:t>
             </a:fld>
             <a:endParaRPr lang="es-ES"/>
           </a:p>
@@ -1370,7 +1370,7 @@
           <a:p>
             <a:fld id="{EABE8AA6-12A8-4B45-AB18-A83908A3A2E6}" type="datetimeFigureOut">
               <a:rPr lang="es-ES" smtClean="0"/>
-              <a:t>21/02/2017</a:t>
+              <a:t>20/02/2019</a:t>
             </a:fld>
             <a:endParaRPr lang="es-ES"/>
           </a:p>
@@ -1540,7 +1540,7 @@
           <a:p>
             <a:fld id="{EABE8AA6-12A8-4B45-AB18-A83908A3A2E6}" type="datetimeFigureOut">
               <a:rPr lang="es-ES" smtClean="0"/>
-              <a:t>21/02/2017</a:t>
+              <a:t>20/02/2019</a:t>
             </a:fld>
             <a:endParaRPr lang="es-ES"/>
           </a:p>
@@ -1791,7 +1791,7 @@
           <a:p>
             <a:fld id="{EABE8AA6-12A8-4B45-AB18-A83908A3A2E6}" type="datetimeFigureOut">
               <a:rPr lang="es-ES" smtClean="0"/>
-              <a:t>21/02/2017</a:t>
+              <a:t>20/02/2019</a:t>
             </a:fld>
             <a:endParaRPr lang="es-ES"/>
           </a:p>
@@ -2023,7 +2023,7 @@
           <a:p>
             <a:fld id="{EABE8AA6-12A8-4B45-AB18-A83908A3A2E6}" type="datetimeFigureOut">
               <a:rPr lang="es-ES" smtClean="0"/>
-              <a:t>21/02/2017</a:t>
+              <a:t>20/02/2019</a:t>
             </a:fld>
             <a:endParaRPr lang="es-ES"/>
           </a:p>
@@ -2370,7 +2370,7 @@
           <a:p>
             <a:fld id="{EABE8AA6-12A8-4B45-AB18-A83908A3A2E6}" type="datetimeFigureOut">
               <a:rPr lang="es-ES" smtClean="0"/>
-              <a:t>21/02/2017</a:t>
+              <a:t>20/02/2019</a:t>
             </a:fld>
             <a:endParaRPr lang="es-ES"/>
           </a:p>
@@ -2488,7 +2488,7 @@
           <a:p>
             <a:fld id="{73D7E00A-486F-4252-8B1D-E32645521F49}" type="datetime1">
               <a:rPr lang="en-US" smtClean="0"/>
-              <a:t>2/21/2017</a:t>
+              <a:t>2/20/2019</a:t>
             </a:fld>
             <a:endParaRPr lang="en-US"/>
           </a:p>
@@ -2606,7 +2606,7 @@
           <a:p>
             <a:fld id="{EABE8AA6-12A8-4B45-AB18-A83908A3A2E6}" type="datetimeFigureOut">
               <a:rPr lang="es-ES" smtClean="0"/>
-              <a:t>21/02/2017</a:t>
+              <a:t>20/02/2019</a:t>
             </a:fld>
             <a:endParaRPr lang="es-ES"/>
           </a:p>
@@ -2890,7 +2890,7 @@
           <a:p>
             <a:fld id="{EABE8AA6-12A8-4B45-AB18-A83908A3A2E6}" type="datetimeFigureOut">
               <a:rPr lang="es-ES" smtClean="0"/>
-              <a:t>21/02/2017</a:t>
+              <a:t>20/02/2019</a:t>
             </a:fld>
             <a:endParaRPr lang="es-ES"/>
           </a:p>
@@ -3060,7 +3060,7 @@
           <a:p>
             <a:fld id="{EABE8AA6-12A8-4B45-AB18-A83908A3A2E6}" type="datetimeFigureOut">
               <a:rPr lang="es-ES" smtClean="0"/>
-              <a:t>21/02/2017</a:t>
+              <a:t>20/02/2019</a:t>
             </a:fld>
             <a:endParaRPr lang="es-ES"/>
           </a:p>
@@ -3324,7 +3324,7 @@
           <a:p>
             <a:fld id="{EABE8AA6-12A8-4B45-AB18-A83908A3A2E6}" type="datetimeFigureOut">
               <a:rPr lang="es-ES" smtClean="0"/>
-              <a:t>21/02/2017</a:t>
+              <a:t>20/02/2019</a:t>
             </a:fld>
             <a:endParaRPr lang="es-ES"/>
           </a:p>
@@ -3494,7 +3494,7 @@
           <a:p>
             <a:fld id="{EABE8AA6-12A8-4B45-AB18-A83908A3A2E6}" type="datetimeFigureOut">
               <a:rPr lang="es-ES" smtClean="0"/>
-              <a:t>21/02/2017</a:t>
+              <a:t>20/02/2019</a:t>
             </a:fld>
             <a:endParaRPr lang="es-ES"/>
           </a:p>
@@ -3674,7 +3674,7 @@
           <a:p>
             <a:fld id="{EABE8AA6-12A8-4B45-AB18-A83908A3A2E6}" type="datetimeFigureOut">
               <a:rPr lang="es-ES" smtClean="0"/>
-              <a:t>21/02/2017</a:t>
+              <a:t>20/02/2019</a:t>
             </a:fld>
             <a:endParaRPr lang="es-ES"/>
           </a:p>
@@ -3866,7 +3866,7 @@
           <a:p>
             <a:fld id="{EABE8AA6-12A8-4B45-AB18-A83908A3A2E6}" type="datetimeFigureOut">
               <a:rPr lang="es-ES" smtClean="0"/>
-              <a:t>21/02/2017</a:t>
+              <a:t>20/02/2019</a:t>
             </a:fld>
             <a:endParaRPr lang="es-ES"/>
           </a:p>
@@ -4127,7 +4127,7 @@
           <a:p>
             <a:fld id="{EABE8AA6-12A8-4B45-AB18-A83908A3A2E6}" type="datetimeFigureOut">
               <a:rPr lang="es-ES" smtClean="0"/>
-              <a:t>21/02/2017</a:t>
+              <a:t>20/02/2019</a:t>
             </a:fld>
             <a:endParaRPr lang="es-ES"/>
           </a:p>
@@ -4518,7 +4518,7 @@
           <a:p>
             <a:fld id="{EABE8AA6-12A8-4B45-AB18-A83908A3A2E6}" type="datetimeFigureOut">
               <a:rPr lang="es-ES" smtClean="0"/>
-              <a:t>21/02/2017</a:t>
+              <a:t>20/02/2019</a:t>
             </a:fld>
             <a:endParaRPr lang="es-ES"/>
           </a:p>
@@ -4806,7 +4806,7 @@
           <a:p>
             <a:fld id="{EABE8AA6-12A8-4B45-AB18-A83908A3A2E6}" type="datetimeFigureOut">
               <a:rPr lang="es-ES" smtClean="0"/>
-              <a:t>21/02/2017</a:t>
+              <a:t>20/02/2019</a:t>
             </a:fld>
             <a:endParaRPr lang="es-ES"/>
           </a:p>
@@ -5229,7 +5229,7 @@
           <a:p>
             <a:fld id="{EABE8AA6-12A8-4B45-AB18-A83908A3A2E6}" type="datetimeFigureOut">
               <a:rPr lang="es-ES" smtClean="0"/>
-              <a:t>21/02/2017</a:t>
+              <a:t>20/02/2019</a:t>
             </a:fld>
             <a:endParaRPr lang="es-ES"/>
           </a:p>
@@ -5347,7 +5347,7 @@
           <a:p>
             <a:fld id="{73D7E00A-486F-4252-8B1D-E32645521F49}" type="datetime1">
               <a:rPr lang="en-US" smtClean="0"/>
-              <a:t>2/21/2017</a:t>
+              <a:t>2/20/2019</a:t>
             </a:fld>
             <a:endParaRPr lang="en-US"/>
           </a:p>
@@ -5442,7 +5442,7 @@
           <a:p>
             <a:fld id="{EABE8AA6-12A8-4B45-AB18-A83908A3A2E6}" type="datetimeFigureOut">
               <a:rPr lang="es-ES" smtClean="0"/>
-              <a:t>21/02/2017</a:t>
+              <a:t>20/02/2019</a:t>
             </a:fld>
             <a:endParaRPr lang="es-ES"/>
           </a:p>
@@ -5693,7 +5693,7 @@
           <a:p>
             <a:fld id="{EABE8AA6-12A8-4B45-AB18-A83908A3A2E6}" type="datetimeFigureOut">
               <a:rPr lang="es-ES" smtClean="0"/>
-              <a:t>21/02/2017</a:t>
+              <a:t>20/02/2019</a:t>
             </a:fld>
             <a:endParaRPr lang="es-ES"/>
           </a:p>
@@ -5970,7 +5970,7 @@
           <a:p>
             <a:fld id="{EABE8AA6-12A8-4B45-AB18-A83908A3A2E6}" type="datetimeFigureOut">
               <a:rPr lang="es-ES" smtClean="0"/>
-              <a:t>21/02/2017</a:t>
+              <a:t>20/02/2019</a:t>
             </a:fld>
             <a:endParaRPr lang="es-ES"/>
           </a:p>
@@ -6227,7 +6227,7 @@
           <a:p>
             <a:fld id="{EABE8AA6-12A8-4B45-AB18-A83908A3A2E6}" type="datetimeFigureOut">
               <a:rPr lang="es-ES" smtClean="0"/>
-              <a:t>21/02/2017</a:t>
+              <a:t>20/02/2019</a:t>
             </a:fld>
             <a:endParaRPr lang="es-ES"/>
           </a:p>
@@ -6397,7 +6397,7 @@
           <a:p>
             <a:fld id="{EABE8AA6-12A8-4B45-AB18-A83908A3A2E6}" type="datetimeFigureOut">
               <a:rPr lang="es-ES" smtClean="0"/>
-              <a:t>21/02/2017</a:t>
+              <a:t>20/02/2019</a:t>
             </a:fld>
             <a:endParaRPr lang="es-ES"/>
           </a:p>
@@ -6577,7 +6577,7 @@
           <a:p>
             <a:fld id="{EABE8AA6-12A8-4B45-AB18-A83908A3A2E6}" type="datetimeFigureOut">
               <a:rPr lang="es-ES" smtClean="0"/>
-              <a:t>21/02/2017</a:t>
+              <a:t>20/02/2019</a:t>
             </a:fld>
             <a:endParaRPr lang="es-ES"/>
           </a:p>
@@ -7117,7 +7117,7 @@
           <a:p>
             <a:fld id="{EABE8AA6-12A8-4B45-AB18-A83908A3A2E6}" type="datetimeFigureOut">
               <a:rPr lang="es-ES" smtClean="0"/>
-              <a:t>21/02/2017</a:t>
+              <a:t>20/02/2019</a:t>
             </a:fld>
             <a:endParaRPr lang="es-ES"/>
           </a:p>
@@ -7464,7 +7464,7 @@
           <a:p>
             <a:fld id="{EABE8AA6-12A8-4B45-AB18-A83908A3A2E6}" type="datetimeFigureOut">
               <a:rPr lang="es-ES" smtClean="0"/>
-              <a:t>21/02/2017</a:t>
+              <a:t>20/02/2019</a:t>
             </a:fld>
             <a:endParaRPr lang="es-ES"/>
           </a:p>
@@ -7582,7 +7582,7 @@
           <a:p>
             <a:fld id="{73D7E00A-486F-4252-8B1D-E32645521F49}" type="datetime1">
               <a:rPr lang="en-US" smtClean="0"/>
-              <a:t>2/21/2017</a:t>
+              <a:t>2/20/2019</a:t>
             </a:fld>
             <a:endParaRPr lang="en-US"/>
           </a:p>
@@ -8020,7 +8020,7 @@
           <a:p>
             <a:fld id="{EABE8AA6-12A8-4B45-AB18-A83908A3A2E6}" type="datetimeFigureOut">
               <a:rPr lang="es-ES" smtClean="0"/>
-              <a:t>21/02/2017</a:t>
+              <a:t>20/02/2019</a:t>
             </a:fld>
             <a:endParaRPr lang="es-ES"/>
           </a:p>
@@ -8284,7 +8284,7 @@
           <a:p>
             <a:fld id="{EABE8AA6-12A8-4B45-AB18-A83908A3A2E6}" type="datetimeFigureOut">
               <a:rPr lang="es-ES" smtClean="0"/>
-              <a:t>21/02/2017</a:t>
+              <a:t>20/02/2019</a:t>
             </a:fld>
             <a:endParaRPr lang="es-ES"/>
           </a:p>
@@ -8498,7 +8498,7 @@
           <a:p>
             <a:fld id="{5586B75A-687E-405C-8A0B-8D00578BA2C3}" type="datetime1">
               <a:rPr lang="en-US" smtClean="0"/>
-              <a:t>2/21/2017</a:t>
+              <a:t>2/20/2019</a:t>
             </a:fld>
             <a:endParaRPr lang="en-US"/>
           </a:p>
@@ -9028,7 +9028,7 @@
           <a:p>
             <a:fld id="{5586B75A-687E-405C-8A0B-8D00578BA2C3}" type="datetime1">
               <a:rPr lang="en-US" smtClean="0"/>
-              <a:t>2/21/2017</a:t>
+              <a:t>2/20/2019</a:t>
             </a:fld>
             <a:endParaRPr lang="en-US"/>
           </a:p>
@@ -9557,7 +9557,7 @@
           <a:p>
             <a:fld id="{5586B75A-687E-405C-8A0B-8D00578BA2C3}" type="datetime1">
               <a:rPr lang="en-US" smtClean="0"/>
-              <a:t>2/21/2017</a:t>
+              <a:t>2/20/2019</a:t>
             </a:fld>
             <a:endParaRPr lang="en-US"/>
           </a:p>
@@ -10383,7 +10383,6 @@
               <a:rPr lang="es-CR" dirty="0"/>
               <a:t>Operaciones básicas</a:t>
             </a:r>
-            <a:endParaRPr lang="es-CR" dirty="0"/>
           </a:p>
         </p:txBody>
       </p:sp>
@@ -10527,7 +10526,6 @@
               <a:rPr lang="es-CR" dirty="0"/>
               <a:t>Operaciones básicas</a:t>
             </a:r>
-            <a:endParaRPr lang="es-CR" dirty="0"/>
           </a:p>
         </p:txBody>
       </p:sp>
@@ -10654,7 +10652,6 @@
               <a:rPr lang="es-CR" dirty="0"/>
               <a:t>Operaciones básicas</a:t>
             </a:r>
-            <a:endParaRPr lang="es-CR" dirty="0"/>
           </a:p>
         </p:txBody>
       </p:sp>
@@ -11004,7 +11001,6 @@
               <a:rPr lang="es-CR" dirty="0"/>
               <a:t>Operaciones básicas</a:t>
             </a:r>
-            <a:endParaRPr lang="es-CR" dirty="0"/>
           </a:p>
         </p:txBody>
       </p:sp>
@@ -11173,7 +11169,6 @@
               <a:rPr lang="es-CR" dirty="0"/>
               <a:t>Operaciones derivadas</a:t>
             </a:r>
-            <a:endParaRPr lang="es-CR" dirty="0"/>
           </a:p>
         </p:txBody>
       </p:sp>
@@ -11353,7 +11348,6 @@
               <a:rPr lang="es-CR" dirty="0"/>
               <a:t> tienen las mismas reglas con respecto a los valores desconocidos (NULL)</a:t>
             </a:r>
-            <a:endParaRPr lang="es-CR" dirty="0"/>
           </a:p>
         </p:txBody>
       </p:sp>
@@ -11376,7 +11370,6 @@
               <a:rPr lang="es-CR" dirty="0"/>
               <a:t>Operaciones derivadas</a:t>
             </a:r>
-            <a:endParaRPr lang="es-CR" dirty="0"/>
           </a:p>
         </p:txBody>
       </p:sp>
@@ -11454,7 +11447,6 @@
               <a:rPr lang="es-CR" dirty="0"/>
               <a:t>Operaciones derivadas</a:t>
             </a:r>
-            <a:endParaRPr lang="es-CR" dirty="0"/>
           </a:p>
         </p:txBody>
       </p:sp>
@@ -11577,7 +11569,6 @@
               <a:rPr lang="es-CR" sz="2200" dirty="0"/>
               <a:t>Semejante a INNER JOIN en SQL.</a:t>
             </a:r>
-            <a:endParaRPr lang="es-CR" sz="2200" dirty="0"/>
           </a:p>
         </p:txBody>
       </p:sp>
@@ -11600,7 +11591,6 @@
               <a:rPr lang="es-CR" dirty="0"/>
               <a:t>Operaciones derivadas</a:t>
             </a:r>
-            <a:endParaRPr lang="es-CR" dirty="0"/>
           </a:p>
         </p:txBody>
       </p:sp>
@@ -11756,7 +11746,6 @@
               <a:rPr lang="es-CR" dirty="0"/>
               <a:t>Operaciones derivadas</a:t>
             </a:r>
-            <a:endParaRPr lang="es-CR" dirty="0"/>
           </a:p>
         </p:txBody>
       </p:sp>
@@ -11864,7 +11853,6 @@
               <a:rPr lang="es-CR" dirty="0"/>
               <a:t>Es una notación que permite asignar el resultado de una expresión de algebra relacional a una variable.</a:t>
             </a:r>
-            <a:endParaRPr lang="es-CR" dirty="0"/>
           </a:p>
         </p:txBody>
       </p:sp>
@@ -11887,7 +11875,6 @@
               <a:rPr lang="es-CR" dirty="0"/>
               <a:t>Operaciones derivadas</a:t>
             </a:r>
-            <a:endParaRPr lang="es-CR" dirty="0"/>
           </a:p>
         </p:txBody>
       </p:sp>
@@ -12022,7 +12009,7 @@
             </a:pPr>
             <a:r>
               <a:rPr lang="es-CR" dirty="0"/>
-              <a:t>2017</a:t>
+              <a:t>2019</a:t>
             </a:r>
           </a:p>
         </p:txBody>
@@ -12222,7 +12209,6 @@
               <a:rPr lang="es-CR" dirty="0"/>
               <a:t>Operaciones extendidas</a:t>
             </a:r>
-            <a:endParaRPr lang="es-CR" dirty="0"/>
           </a:p>
         </p:txBody>
       </p:sp>
@@ -12359,11 +12345,7 @@
             <a:pPr lvl="1"/>
             <a:r>
               <a:rPr lang="es-ES" dirty="0"/>
-              <a:t>Así</a:t>
-            </a:r>
-            <a:r>
-              <a:rPr lang="es-ES" dirty="0"/>
-              <a:t> existen:</a:t>
+              <a:t>Así existen:</a:t>
             </a:r>
           </a:p>
           <a:p>
@@ -12456,7 +12438,6 @@
               <a:rPr lang="es-CR" dirty="0"/>
               <a:t>Operaciones extendidas</a:t>
             </a:r>
-            <a:endParaRPr lang="es-CR" dirty="0"/>
           </a:p>
         </p:txBody>
       </p:sp>
@@ -12509,7 +12490,6 @@
               <a:rPr lang="es-CR" dirty="0"/>
               <a:t>Operaciones de agregación</a:t>
             </a:r>
-            <a:endParaRPr lang="es-CR" dirty="0"/>
           </a:p>
         </p:txBody>
       </p:sp>
@@ -12532,7 +12512,6 @@
               <a:rPr lang="es-CR" dirty="0"/>
               <a:t>Operaciones extendidas</a:t>
             </a:r>
-            <a:endParaRPr lang="es-CR" dirty="0"/>
           </a:p>
         </p:txBody>
       </p:sp>
@@ -12729,7 +12708,6 @@
               <a:rPr lang="es-CR" dirty="0"/>
               <a:t>Operaciones extendidas</a:t>
             </a:r>
-            <a:endParaRPr lang="es-CR" dirty="0"/>
           </a:p>
         </p:txBody>
       </p:sp>
@@ -13499,7 +13477,6 @@
               <a:rPr lang="es-CR" dirty="0"/>
               <a:t>¿Qué es álgebra relacional?</a:t>
             </a:r>
-            <a:endParaRPr lang="es-CR" dirty="0"/>
           </a:p>
         </p:txBody>
       </p:sp>
@@ -13599,7 +13576,6 @@
               <a:rPr lang="es-CR" dirty="0"/>
               <a:t>Producto cartesiano</a:t>
             </a:r>
-            <a:endParaRPr lang="es-CR" dirty="0"/>
           </a:p>
         </p:txBody>
       </p:sp>
@@ -13622,7 +13598,6 @@
               <a:rPr lang="es-CR" dirty="0"/>
               <a:t>Operaciones de álgebra relacional</a:t>
             </a:r>
-            <a:endParaRPr lang="es-CR" dirty="0"/>
           </a:p>
         </p:txBody>
       </p:sp>
@@ -14015,7 +13990,6 @@
               <a:rPr lang="es-CR" dirty="0"/>
               <a:t>Reunión externa</a:t>
             </a:r>
-            <a:endParaRPr lang="es-CR" dirty="0"/>
           </a:p>
         </p:txBody>
       </p:sp>
@@ -14124,7 +14098,6 @@
               <a:rPr lang="es-CR" dirty="0"/>
               <a:t>)</a:t>
             </a:r>
-            <a:endParaRPr lang="es-CR" dirty="0"/>
           </a:p>
         </p:txBody>
       </p:sp>
@@ -14235,7 +14208,6 @@
               <a:rPr lang="es-CR" dirty="0"/>
               <a:t>Operaciones básicas</a:t>
             </a:r>
-            <a:endParaRPr lang="es-CR" dirty="0"/>
           </a:p>
         </p:txBody>
       </p:sp>
@@ -14414,7 +14386,6 @@
               <a:rPr lang="es-CR" dirty="0"/>
               <a:t>Operaciones básicas</a:t>
             </a:r>
-            <a:endParaRPr lang="es-CR" dirty="0"/>
           </a:p>
         </p:txBody>
       </p:sp>
@@ -14542,7 +14513,6 @@
               <a:rPr lang="es-CR" dirty="0"/>
               <a:t>Operaciones básicas</a:t>
             </a:r>
-            <a:endParaRPr lang="es-CR" dirty="0"/>
           </a:p>
         </p:txBody>
       </p:sp>
